--- a/Week 1 - Fundamentals/PowerPoint Presentations/Week_1_Part_8_Fundamentals.pptx
+++ b/Week 1 - Fundamentals/PowerPoint Presentations/Week_1_Part_8_Fundamentals.pptx
@@ -205,7 +205,7 @@
           <a:p>
             <a:fld id="{C0DB4203-FCE6-4DB9-8B82-6DDA69D645A0}" type="datetimeFigureOut">
               <a:rPr lang="en-ZA" smtClean="0"/>
-              <a:t>2023/05/09</a:t>
+              <a:t>23 May 2023</a:t>
             </a:fld>
             <a:endParaRPr lang="en-ZA"/>
           </a:p>
@@ -4080,7 +4080,7 @@
               <a:buNone/>
             </a:pPr>
             <a:r>
-              <a:rPr lang="en-ZA" sz="1800" dirty="0">
+              <a:rPr lang="en-ZA" sz="1600" dirty="0">
                 <a:effectLst/>
                 <a:latin typeface="Helvetica" panose="020B0604020202020204" pitchFamily="34" charset="0"/>
                 <a:ea typeface="Times New Roman" panose="02020603050405020304" pitchFamily="18" charset="0"/>
@@ -4098,7 +4098,7 @@
               <a:buChar char=""/>
             </a:pPr>
             <a:r>
-              <a:rPr lang="en-ZA" sz="1800" dirty="0">
+              <a:rPr lang="en-ZA" sz="1600" dirty="0">
                 <a:solidFill>
                   <a:srgbClr val="212121"/>
                 </a:solidFill>
@@ -4108,7 +4108,7 @@
               </a:rPr>
               <a:t>MATLAB Grader</a:t>
             </a:r>
-            <a:endParaRPr lang="en-ZA" sz="1800" dirty="0">
+            <a:endParaRPr lang="en-ZA" sz="1600" dirty="0">
               <a:effectLst/>
               <a:latin typeface="Times New Roman" panose="02020603050405020304" pitchFamily="18" charset="0"/>
               <a:ea typeface="Times New Roman" panose="02020603050405020304" pitchFamily="18" charset="0"/>
@@ -4122,7 +4122,7 @@
               <a:buFont typeface="Symbol" panose="05050102010706020507" pitchFamily="18" charset="2"/>
               <a:buChar char=""/>
             </a:pPr>
-            <a:endParaRPr lang="en-ZA" sz="1800" dirty="0">
+            <a:endParaRPr lang="en-ZA" sz="1600" dirty="0">
               <a:effectLst/>
               <a:latin typeface="Helvetica" panose="020B0604020202020204" pitchFamily="34" charset="0"/>
               <a:ea typeface="Times New Roman" panose="02020603050405020304" pitchFamily="18" charset="0"/>
@@ -5530,7 +5530,7 @@
               <a:buNone/>
             </a:pPr>
             <a:r>
-              <a:rPr lang="en-ZA" sz="1800" dirty="0">
+              <a:rPr lang="en-ZA" sz="1600" dirty="0">
                 <a:effectLst/>
                 <a:latin typeface="Helvetica" panose="020B0604020202020204" pitchFamily="34" charset="0"/>
                 <a:ea typeface="Times New Roman" panose="02020603050405020304" pitchFamily="18" charset="0"/>
@@ -5553,7 +5553,7 @@
               <a:buNone/>
             </a:pPr>
             <a:r>
-              <a:rPr lang="en-ZA" sz="1800" u="sng" dirty="0">
+              <a:rPr lang="en-ZA" sz="1600" u="sng" dirty="0">
                 <a:solidFill>
                   <a:srgbClr val="005FCE"/>
                 </a:solidFill>
@@ -5566,7 +5566,7 @@
               <a:t>       </a:t>
             </a:r>
             <a:r>
-              <a:rPr lang="en-ZA" sz="1800" dirty="0">
+              <a:rPr lang="en-ZA" sz="1600" dirty="0">
                 <a:solidFill>
                   <a:srgbClr val="005FCE"/>
                 </a:solidFill>
@@ -5578,7 +5578,7 @@
               </a:rPr>
               <a:t>Pilotless Helicopters Deliver Large Payloads with Precision</a:t>
             </a:r>
-            <a:endParaRPr lang="en-ZA" sz="1800" dirty="0">
+            <a:endParaRPr lang="en-ZA" sz="1600" dirty="0">
               <a:effectLst/>
               <a:latin typeface="Helvetica" panose="020B0604020202020204" pitchFamily="34" charset="0"/>
               <a:ea typeface="Times New Roman" panose="02020603050405020304" pitchFamily="18" charset="0"/>
@@ -5599,7 +5599,7 @@
               <a:buNone/>
             </a:pPr>
             <a:r>
-              <a:rPr lang="en-ZA" sz="1800" u="sng" dirty="0">
+              <a:rPr lang="en-ZA" sz="1600" u="sng" dirty="0">
                 <a:solidFill>
                   <a:srgbClr val="005FCE"/>
                 </a:solidFill>
@@ -5612,7 +5612,7 @@
               <a:t>       </a:t>
             </a:r>
             <a:r>
-              <a:rPr lang="en-ZA" sz="1800" dirty="0">
+              <a:rPr lang="en-ZA" sz="1600" dirty="0">
                 <a:solidFill>
                   <a:srgbClr val="005FCE"/>
                 </a:solidFill>
@@ -5624,7 +5624,7 @@
               </a:rPr>
               <a:t>Hydrogen Fuel Cells Reduce CO2 Emissions</a:t>
             </a:r>
-            <a:endParaRPr lang="en-ZA" sz="1800" dirty="0">
+            <a:endParaRPr lang="en-ZA" sz="1600" dirty="0">
               <a:effectLst/>
               <a:latin typeface="Helvetica" panose="020B0604020202020204" pitchFamily="34" charset="0"/>
               <a:ea typeface="Times New Roman" panose="02020603050405020304" pitchFamily="18" charset="0"/>
@@ -5783,7 +5783,7 @@
         </p:blipFill>
         <p:spPr>
           <a:xfrm>
-            <a:off x="465023" y="1694296"/>
+            <a:off x="465023" y="1635928"/>
             <a:ext cx="485775" cy="504825"/>
           </a:xfrm>
           <a:prstGeom prst="rect">
@@ -5811,7 +5811,7 @@
         </p:blipFill>
         <p:spPr>
           <a:xfrm>
-            <a:off x="463418" y="2299085"/>
+            <a:off x="463418" y="2240717"/>
             <a:ext cx="485775" cy="504825"/>
           </a:xfrm>
           <a:prstGeom prst="rect">
@@ -6265,19 +6265,15 @@
               </a:rPr>
               <a:t>Week_1_Part_8_Fundamentals.mlx</a:t>
             </a:r>
-            <a:endParaRPr kumimoji="0" lang="en-ZA" altLang="en-US" sz="1600" b="0" i="0" u="none" strike="noStrike" cap="none" normalizeH="0" baseline="0" dirty="0">
-              <a:ln>
-                <a:noFill/>
-              </a:ln>
-              <a:solidFill>
-                <a:schemeClr val="tx1"/>
-              </a:solidFill>
+            <a:endParaRPr lang="en-ZA" sz="1600" dirty="0">
               <a:effectLst/>
-              <a:latin typeface="Arial" panose="020B0604020202020204" pitchFamily="34" charset="0"/>
+              <a:latin typeface="Helvetica" panose="020B0604020202020204" pitchFamily="34" charset="0"/>
+              <a:ea typeface="Times New Roman" panose="02020603050405020304" pitchFamily="18" charset="0"/>
+              <a:cs typeface="Times New Roman" panose="02020603050405020304" pitchFamily="18" charset="0"/>
             </a:endParaRPr>
           </a:p>
           <a:p>
-            <a:pPr>
+            <a:pPr marL="0" indent="0">
               <a:lnSpc>
                 <a:spcPct val="107000"/>
               </a:lnSpc>
@@ -6287,7 +6283,181 @@
               <a:spcAft>
                 <a:spcPts val="1050"/>
               </a:spcAft>
+              <a:buNone/>
             </a:pPr>
+            <a:endParaRPr lang="en-GB" sz="1600" b="1" i="1" dirty="0">
+              <a:effectLst/>
+              <a:latin typeface="Helvetica" panose="020B0604020202020204" pitchFamily="34" charset="0"/>
+              <a:ea typeface="Times New Roman" panose="02020603050405020304" pitchFamily="18" charset="0"/>
+              <a:cs typeface="Times New Roman" panose="02020603050405020304" pitchFamily="18" charset="0"/>
+            </a:endParaRPr>
+          </a:p>
+          <a:p>
+            <a:pPr marL="0" indent="0">
+              <a:lnSpc>
+                <a:spcPct val="107000"/>
+              </a:lnSpc>
+              <a:spcBef>
+                <a:spcPts val="1050"/>
+              </a:spcBef>
+              <a:spcAft>
+                <a:spcPts val="1050"/>
+              </a:spcAft>
+              <a:buNone/>
+            </a:pPr>
+            <a:endParaRPr lang="en-GB" sz="1600" b="1" i="1" dirty="0">
+              <a:latin typeface="Helvetica" panose="020B0604020202020204" pitchFamily="34" charset="0"/>
+              <a:ea typeface="Times New Roman" panose="02020603050405020304" pitchFamily="18" charset="0"/>
+              <a:cs typeface="Times New Roman" panose="02020603050405020304" pitchFamily="18" charset="0"/>
+            </a:endParaRPr>
+          </a:p>
+          <a:p>
+            <a:pPr marL="0" indent="0">
+              <a:lnSpc>
+                <a:spcPct val="107000"/>
+              </a:lnSpc>
+              <a:spcBef>
+                <a:spcPts val="1050"/>
+              </a:spcBef>
+              <a:spcAft>
+                <a:spcPts val="1050"/>
+              </a:spcAft>
+              <a:buNone/>
+            </a:pPr>
+            <a:endParaRPr lang="en-GB" sz="1600" b="1" i="1" dirty="0">
+              <a:effectLst/>
+              <a:latin typeface="Helvetica" panose="020B0604020202020204" pitchFamily="34" charset="0"/>
+              <a:ea typeface="Times New Roman" panose="02020603050405020304" pitchFamily="18" charset="0"/>
+              <a:cs typeface="Times New Roman" panose="02020603050405020304" pitchFamily="18" charset="0"/>
+            </a:endParaRPr>
+          </a:p>
+          <a:p>
+            <a:pPr marL="0" indent="0">
+              <a:lnSpc>
+                <a:spcPct val="107000"/>
+              </a:lnSpc>
+              <a:spcBef>
+                <a:spcPts val="1050"/>
+              </a:spcBef>
+              <a:spcAft>
+                <a:spcPts val="1050"/>
+              </a:spcAft>
+              <a:buNone/>
+            </a:pPr>
+            <a:endParaRPr lang="en-GB" sz="1600" b="1" i="1" dirty="0">
+              <a:latin typeface="Helvetica" panose="020B0604020202020204" pitchFamily="34" charset="0"/>
+              <a:ea typeface="Times New Roman" panose="02020603050405020304" pitchFamily="18" charset="0"/>
+              <a:cs typeface="Times New Roman" panose="02020603050405020304" pitchFamily="18" charset="0"/>
+            </a:endParaRPr>
+          </a:p>
+          <a:p>
+            <a:pPr marL="0" indent="0">
+              <a:lnSpc>
+                <a:spcPct val="107000"/>
+              </a:lnSpc>
+              <a:spcBef>
+                <a:spcPts val="1050"/>
+              </a:spcBef>
+              <a:spcAft>
+                <a:spcPts val="1050"/>
+              </a:spcAft>
+              <a:buNone/>
+            </a:pPr>
+            <a:endParaRPr lang="en-GB" sz="1600" b="1" i="1" dirty="0">
+              <a:effectLst/>
+              <a:latin typeface="Helvetica" panose="020B0604020202020204" pitchFamily="34" charset="0"/>
+              <a:ea typeface="Times New Roman" panose="02020603050405020304" pitchFamily="18" charset="0"/>
+              <a:cs typeface="Times New Roman" panose="02020603050405020304" pitchFamily="18" charset="0"/>
+            </a:endParaRPr>
+          </a:p>
+          <a:p>
+            <a:pPr marL="0" indent="0">
+              <a:lnSpc>
+                <a:spcPct val="107000"/>
+              </a:lnSpc>
+              <a:spcBef>
+                <a:spcPts val="1050"/>
+              </a:spcBef>
+              <a:spcAft>
+                <a:spcPts val="1050"/>
+              </a:spcAft>
+              <a:buNone/>
+            </a:pPr>
+            <a:endParaRPr lang="en-GB" sz="1600" b="1" i="1" dirty="0">
+              <a:latin typeface="Helvetica" panose="020B0604020202020204" pitchFamily="34" charset="0"/>
+              <a:ea typeface="Times New Roman" panose="02020603050405020304" pitchFamily="18" charset="0"/>
+              <a:cs typeface="Times New Roman" panose="02020603050405020304" pitchFamily="18" charset="0"/>
+            </a:endParaRPr>
+          </a:p>
+          <a:p>
+            <a:pPr marL="0" indent="0">
+              <a:lnSpc>
+                <a:spcPct val="107000"/>
+              </a:lnSpc>
+              <a:spcBef>
+                <a:spcPts val="1050"/>
+              </a:spcBef>
+              <a:spcAft>
+                <a:spcPts val="1050"/>
+              </a:spcAft>
+              <a:buNone/>
+            </a:pPr>
+            <a:endParaRPr lang="en-GB" sz="1600" b="1" i="1" dirty="0">
+              <a:effectLst/>
+              <a:latin typeface="Helvetica" panose="020B0604020202020204" pitchFamily="34" charset="0"/>
+              <a:ea typeface="Times New Roman" panose="02020603050405020304" pitchFamily="18" charset="0"/>
+              <a:cs typeface="Times New Roman" panose="02020603050405020304" pitchFamily="18" charset="0"/>
+            </a:endParaRPr>
+          </a:p>
+          <a:p>
+            <a:pPr marL="0" indent="0">
+              <a:lnSpc>
+                <a:spcPct val="107000"/>
+              </a:lnSpc>
+              <a:spcBef>
+                <a:spcPts val="1050"/>
+              </a:spcBef>
+              <a:spcAft>
+                <a:spcPts val="1050"/>
+              </a:spcAft>
+              <a:buNone/>
+            </a:pPr>
+            <a:r>
+              <a:rPr lang="en-GB" sz="1600" b="1" i="1" dirty="0">
+                <a:effectLst/>
+                <a:latin typeface="Helvetica" panose="020B0604020202020204" pitchFamily="34" charset="0"/>
+                <a:ea typeface="Times New Roman" panose="02020603050405020304" pitchFamily="18" charset="0"/>
+                <a:cs typeface="Times New Roman" panose="02020603050405020304" pitchFamily="18" charset="0"/>
+              </a:rPr>
+              <a:t>Copyright 2022 The MathWorks, Inc. &amp; Opti-</a:t>
+            </a:r>
+            <a:r>
+              <a:rPr lang="en-GB" sz="1600" b="1" i="1" dirty="0" err="1">
+                <a:effectLst/>
+                <a:latin typeface="Helvetica" panose="020B0604020202020204" pitchFamily="34" charset="0"/>
+                <a:ea typeface="Times New Roman" panose="02020603050405020304" pitchFamily="18" charset="0"/>
+                <a:cs typeface="Times New Roman" panose="02020603050405020304" pitchFamily="18" charset="0"/>
+              </a:rPr>
+              <a:t>Num</a:t>
+            </a:r>
+            <a:r>
+              <a:rPr lang="en-GB" sz="1600" b="1" i="1" dirty="0">
+                <a:effectLst/>
+                <a:latin typeface="Helvetica" panose="020B0604020202020204" pitchFamily="34" charset="0"/>
+                <a:ea typeface="Times New Roman" panose="02020603050405020304" pitchFamily="18" charset="0"/>
+                <a:cs typeface="Times New Roman" panose="02020603050405020304" pitchFamily="18" charset="0"/>
+              </a:rPr>
+              <a:t> Solutions (Pty) </a:t>
+            </a:r>
+            <a:r>
+              <a:rPr lang="en-GB" sz="1600" b="1" i="1">
+                <a:effectLst/>
+                <a:latin typeface="Helvetica" panose="020B0604020202020204" pitchFamily="34" charset="0"/>
+                <a:ea typeface="Times New Roman" panose="02020603050405020304" pitchFamily="18" charset="0"/>
+                <a:cs typeface="Times New Roman" panose="02020603050405020304" pitchFamily="18" charset="0"/>
+              </a:rPr>
+              <a:t>Ltd.</a:t>
+            </a:r>
             <a:endParaRPr kumimoji="0" lang="en-ZA" altLang="en-US" sz="1600" b="0" i="0" u="none" strike="noStrike" cap="none" normalizeH="0" baseline="0" dirty="0">
               <a:ln>
                 <a:noFill/>
